--- a/Trưa 13 tây.pptx
+++ b/Trưa 13 tây.pptx
@@ -5,7 +5,7 @@
     <p:sldMasterId id="2147483660" r:id="rId1"/>
   </p:sldMasterIdLst>
   <p:notesMasterIdLst>
-    <p:notesMasterId r:id="rId33"/>
+    <p:notesMasterId r:id="rId34"/>
   </p:notesMasterIdLst>
   <p:sldIdLst>
     <p:sldId id="4810" r:id="rId2"/>
@@ -23,22 +23,23 @@
     <p:sldId id="3771" r:id="rId14"/>
     <p:sldId id="3772" r:id="rId15"/>
     <p:sldId id="5488" r:id="rId16"/>
-    <p:sldId id="5412" r:id="rId17"/>
-    <p:sldId id="4786" r:id="rId18"/>
-    <p:sldId id="4787" r:id="rId19"/>
-    <p:sldId id="4788" r:id="rId20"/>
-    <p:sldId id="4772" r:id="rId21"/>
-    <p:sldId id="4774" r:id="rId22"/>
-    <p:sldId id="4775" r:id="rId23"/>
-    <p:sldId id="5489" r:id="rId24"/>
-    <p:sldId id="5490" r:id="rId25"/>
-    <p:sldId id="4776" r:id="rId26"/>
-    <p:sldId id="4777" r:id="rId27"/>
-    <p:sldId id="5491" r:id="rId28"/>
-    <p:sldId id="5492" r:id="rId29"/>
-    <p:sldId id="5493" r:id="rId30"/>
-    <p:sldId id="3726" r:id="rId31"/>
-    <p:sldId id="3728" r:id="rId32"/>
+    <p:sldId id="5494" r:id="rId17"/>
+    <p:sldId id="5412" r:id="rId18"/>
+    <p:sldId id="4786" r:id="rId19"/>
+    <p:sldId id="4787" r:id="rId20"/>
+    <p:sldId id="4788" r:id="rId21"/>
+    <p:sldId id="4772" r:id="rId22"/>
+    <p:sldId id="4774" r:id="rId23"/>
+    <p:sldId id="4775" r:id="rId24"/>
+    <p:sldId id="5489" r:id="rId25"/>
+    <p:sldId id="5490" r:id="rId26"/>
+    <p:sldId id="4776" r:id="rId27"/>
+    <p:sldId id="4777" r:id="rId28"/>
+    <p:sldId id="5491" r:id="rId29"/>
+    <p:sldId id="5492" r:id="rId30"/>
+    <p:sldId id="5493" r:id="rId31"/>
+    <p:sldId id="3726" r:id="rId32"/>
+    <p:sldId id="3728" r:id="rId33"/>
   </p:sldIdLst>
   <p:sldSz cx="9144000" cy="6858000" type="screen4x3"/>
   <p:notesSz cx="6858000" cy="9144000"/>
@@ -139,7 +140,7 @@
   </p:defaultTextStyle>
   <p:extLst>
     <p:ext uri="{EFAFB233-063F-42B5-8137-9DF3F51BA10A}">
-      <p15:sldGuideLst xmlns:p15="http://schemas.microsoft.com/office/powerpoint/2012/main">
+      <p15:sldGuideLst xmlns:p15="http://schemas.microsoft.com/office/powerpoint/2012/main" xmlns="">
         <p15:guide id="1" orient="horz" pos="2160">
           <p15:clr>
             <a:srgbClr val="A4A3A4"/>
@@ -6555,7 +6556,7 @@
           <p:cNvPr id="2" name="Title 1">
             <a:extLst>
               <a:ext uri="{FF2B5EF4-FFF2-40B4-BE49-F238E27FC236}">
-                <a16:creationId xmlns:a16="http://schemas.microsoft.com/office/drawing/2014/main" id="{4A836128-4A05-40B8-BBED-8B4157398241}"/>
+                <a16:creationId xmlns="" xmlns:a16="http://schemas.microsoft.com/office/drawing/2014/main" id="{4A836128-4A05-40B8-BBED-8B4157398241}"/>
               </a:ext>
             </a:extLst>
           </p:cNvPr>
@@ -6633,7 +6634,7 @@
           <p:cNvPr id="3" name="Content Placeholder 2">
             <a:extLst>
               <a:ext uri="{FF2B5EF4-FFF2-40B4-BE49-F238E27FC236}">
-                <a16:creationId xmlns:a16="http://schemas.microsoft.com/office/drawing/2014/main" id="{19C51F5D-34DD-43C2-95A7-3D04A4BAD8AB}"/>
+                <a16:creationId xmlns="" xmlns:a16="http://schemas.microsoft.com/office/drawing/2014/main" id="{19C51F5D-34DD-43C2-95A7-3D04A4BAD8AB}"/>
               </a:ext>
             </a:extLst>
           </p:cNvPr>
@@ -6660,25 +6661,267 @@
               <a:buNone/>
             </a:pPr>
             <a:r>
-              <a:rPr lang="en-US" sz="5400" b="1" dirty="0">
-                <a:latin typeface="Times New Roman" panose="02020603050405020304" pitchFamily="18" charset="0"/>
-                <a:cs typeface="Times New Roman" panose="02020603050405020304" pitchFamily="18" charset="0"/>
-              </a:rPr>
-              <a:t>…</a:t>
-            </a:r>
+              <a:rPr lang="en-US" sz="5400" b="1" dirty="0" err="1">
+                <a:latin typeface="Times New Roman" panose="02020603050405020304" pitchFamily="18" charset="0"/>
+                <a:cs typeface="Times New Roman" panose="02020603050405020304" pitchFamily="18" charset="0"/>
+              </a:rPr>
+              <a:t>Đấng</a:t>
+            </a:r>
+            <a:r>
+              <a:rPr lang="en-US" sz="5400" b="1" dirty="0">
+                <a:latin typeface="Times New Roman" panose="02020603050405020304" pitchFamily="18" charset="0"/>
+                <a:cs typeface="Times New Roman" panose="02020603050405020304" pitchFamily="18" charset="0"/>
+              </a:rPr>
+              <a:t> </a:t>
+            </a:r>
+            <a:r>
+              <a:rPr lang="en-US" sz="5400" b="1" dirty="0" err="1">
+                <a:latin typeface="Times New Roman" panose="02020603050405020304" pitchFamily="18" charset="0"/>
+                <a:cs typeface="Times New Roman" panose="02020603050405020304" pitchFamily="18" charset="0"/>
+              </a:rPr>
+              <a:t>đã</a:t>
+            </a:r>
+            <a:r>
+              <a:rPr lang="en-US" sz="5400" b="1" dirty="0">
+                <a:latin typeface="Times New Roman" panose="02020603050405020304" pitchFamily="18" charset="0"/>
+                <a:cs typeface="Times New Roman" panose="02020603050405020304" pitchFamily="18" charset="0"/>
+              </a:rPr>
+              <a:t> </a:t>
+            </a:r>
+            <a:r>
+              <a:rPr lang="en-US" sz="5400" b="1" dirty="0" err="1">
+                <a:latin typeface="Times New Roman" panose="02020603050405020304" pitchFamily="18" charset="0"/>
+                <a:cs typeface="Times New Roman" panose="02020603050405020304" pitchFamily="18" charset="0"/>
+              </a:rPr>
+              <a:t>làm</a:t>
+            </a:r>
+            <a:r>
+              <a:rPr lang="en-US" sz="5400" b="1" dirty="0">
+                <a:latin typeface="Times New Roman" panose="02020603050405020304" pitchFamily="18" charset="0"/>
+                <a:cs typeface="Times New Roman" panose="02020603050405020304" pitchFamily="18" charset="0"/>
+              </a:rPr>
+              <a:t> </a:t>
+            </a:r>
+            <a:r>
+              <a:rPr lang="en-US" sz="5400" b="1" dirty="0" err="1">
+                <a:latin typeface="Times New Roman" panose="02020603050405020304" pitchFamily="18" charset="0"/>
+                <a:cs typeface="Times New Roman" panose="02020603050405020304" pitchFamily="18" charset="0"/>
+              </a:rPr>
+              <a:t>cho</a:t>
+            </a:r>
+            <a:r>
+              <a:rPr lang="en-US" sz="5400" b="1" dirty="0">
+                <a:latin typeface="Times New Roman" panose="02020603050405020304" pitchFamily="18" charset="0"/>
+                <a:cs typeface="Times New Roman" panose="02020603050405020304" pitchFamily="18" charset="0"/>
+              </a:rPr>
+              <a:t> </a:t>
+            </a:r>
+            <a:r>
+              <a:rPr lang="en-US" sz="5400" b="1" dirty="0" err="1">
+                <a:latin typeface="Times New Roman" panose="02020603050405020304" pitchFamily="18" charset="0"/>
+                <a:cs typeface="Times New Roman" panose="02020603050405020304" pitchFamily="18" charset="0"/>
+              </a:rPr>
+              <a:t>tôi</a:t>
+            </a:r>
+            <a:r>
+              <a:rPr lang="en-US" sz="5400" b="1" dirty="0">
+                <a:latin typeface="Times New Roman" panose="02020603050405020304" pitchFamily="18" charset="0"/>
+                <a:cs typeface="Times New Roman" panose="02020603050405020304" pitchFamily="18" charset="0"/>
+              </a:rPr>
+              <a:t> </a:t>
+            </a:r>
+            <a:r>
+              <a:rPr lang="en-US" sz="5400" b="1" dirty="0" err="1">
+                <a:latin typeface="Times New Roman" panose="02020603050405020304" pitchFamily="18" charset="0"/>
+                <a:cs typeface="Times New Roman" panose="02020603050405020304" pitchFamily="18" charset="0"/>
+              </a:rPr>
+              <a:t>những</a:t>
+            </a:r>
+            <a:r>
+              <a:rPr lang="en-US" sz="5400" b="1" dirty="0">
+                <a:latin typeface="Times New Roman" panose="02020603050405020304" pitchFamily="18" charset="0"/>
+                <a:cs typeface="Times New Roman" panose="02020603050405020304" pitchFamily="18" charset="0"/>
+              </a:rPr>
+              <a:t> </a:t>
+            </a:r>
+            <a:r>
+              <a:rPr lang="en-US" sz="5400" b="1" dirty="0" err="1">
+                <a:latin typeface="Times New Roman" panose="02020603050405020304" pitchFamily="18" charset="0"/>
+                <a:cs typeface="Times New Roman" panose="02020603050405020304" pitchFamily="18" charset="0"/>
+              </a:rPr>
+              <a:t>điều</a:t>
+            </a:r>
+            <a:r>
+              <a:rPr lang="en-US" sz="5400" b="1" dirty="0">
+                <a:latin typeface="Times New Roman" panose="02020603050405020304" pitchFamily="18" charset="0"/>
+                <a:cs typeface="Times New Roman" panose="02020603050405020304" pitchFamily="18" charset="0"/>
+              </a:rPr>
+              <a:t> </a:t>
+            </a:r>
+            <a:r>
+              <a:rPr lang="en-US" sz="5400" b="1" dirty="0" err="1">
+                <a:latin typeface="Times New Roman" panose="02020603050405020304" pitchFamily="18" charset="0"/>
+                <a:cs typeface="Times New Roman" panose="02020603050405020304" pitchFamily="18" charset="0"/>
+              </a:rPr>
+              <a:t>trọng</a:t>
+            </a:r>
+            <a:r>
+              <a:rPr lang="en-US" sz="5400" b="1" dirty="0">
+                <a:latin typeface="Times New Roman" panose="02020603050405020304" pitchFamily="18" charset="0"/>
+                <a:cs typeface="Times New Roman" panose="02020603050405020304" pitchFamily="18" charset="0"/>
+              </a:rPr>
+              <a:t> </a:t>
+            </a:r>
+            <a:r>
+              <a:rPr lang="en-US" sz="5400" b="1" dirty="0" err="1">
+                <a:latin typeface="Times New Roman" panose="02020603050405020304" pitchFamily="18" charset="0"/>
+                <a:cs typeface="Times New Roman" panose="02020603050405020304" pitchFamily="18" charset="0"/>
+              </a:rPr>
+              <a:t>đại</a:t>
+            </a:r>
+            <a:r>
+              <a:rPr lang="en-US" sz="5400" b="1" dirty="0">
+                <a:latin typeface="Times New Roman" panose="02020603050405020304" pitchFamily="18" charset="0"/>
+                <a:cs typeface="Times New Roman" panose="02020603050405020304" pitchFamily="18" charset="0"/>
+              </a:rPr>
+              <a:t>, </a:t>
+            </a:r>
+            <a:r>
+              <a:rPr lang="en-US" sz="5400" b="1" dirty="0" err="1">
+                <a:latin typeface="Times New Roman" panose="02020603050405020304" pitchFamily="18" charset="0"/>
+                <a:cs typeface="Times New Roman" panose="02020603050405020304" pitchFamily="18" charset="0"/>
+              </a:rPr>
+              <a:t>Người</a:t>
+            </a:r>
+            <a:r>
+              <a:rPr lang="en-US" sz="5400" b="1" dirty="0">
+                <a:latin typeface="Times New Roman" panose="02020603050405020304" pitchFamily="18" charset="0"/>
+                <a:cs typeface="Times New Roman" panose="02020603050405020304" pitchFamily="18" charset="0"/>
+              </a:rPr>
+              <a:t> </a:t>
+            </a:r>
+            <a:r>
+              <a:rPr lang="en-US" sz="5400" b="1" dirty="0" err="1">
+                <a:latin typeface="Times New Roman" panose="02020603050405020304" pitchFamily="18" charset="0"/>
+                <a:cs typeface="Times New Roman" panose="02020603050405020304" pitchFamily="18" charset="0"/>
+              </a:rPr>
+              <a:t>quyền</a:t>
+            </a:r>
+            <a:r>
+              <a:rPr lang="en-US" sz="5400" b="1" dirty="0">
+                <a:latin typeface="Times New Roman" panose="02020603050405020304" pitchFamily="18" charset="0"/>
+                <a:cs typeface="Times New Roman" panose="02020603050405020304" pitchFamily="18" charset="0"/>
+              </a:rPr>
+              <a:t> </a:t>
+            </a:r>
+            <a:r>
+              <a:rPr lang="en-US" sz="5400" b="1" dirty="0" err="1">
+                <a:latin typeface="Times New Roman" panose="02020603050405020304" pitchFamily="18" charset="0"/>
+                <a:cs typeface="Times New Roman" panose="02020603050405020304" pitchFamily="18" charset="0"/>
+              </a:rPr>
+              <a:t>năng</a:t>
+            </a:r>
+            <a:r>
+              <a:rPr lang="en-US" sz="5400" b="1" dirty="0">
+                <a:latin typeface="Times New Roman" panose="02020603050405020304" pitchFamily="18" charset="0"/>
+                <a:cs typeface="Times New Roman" panose="02020603050405020304" pitchFamily="18" charset="0"/>
+              </a:rPr>
+              <a:t> </a:t>
+            </a:r>
+            <a:r>
+              <a:rPr lang="en-US" sz="5400" b="1" dirty="0" err="1">
+                <a:latin typeface="Times New Roman" panose="02020603050405020304" pitchFamily="18" charset="0"/>
+                <a:cs typeface="Times New Roman" panose="02020603050405020304" pitchFamily="18" charset="0"/>
+              </a:rPr>
+              <a:t>và</a:t>
+            </a:r>
+            <a:r>
+              <a:rPr lang="en-US" sz="5400" b="1" dirty="0">
+                <a:latin typeface="Times New Roman" panose="02020603050405020304" pitchFamily="18" charset="0"/>
+                <a:cs typeface="Times New Roman" panose="02020603050405020304" pitchFamily="18" charset="0"/>
+              </a:rPr>
+              <a:t> </a:t>
+            </a:r>
+            <a:r>
+              <a:rPr lang="en-US" sz="5400" b="1" dirty="0" err="1">
+                <a:latin typeface="Times New Roman" panose="02020603050405020304" pitchFamily="18" charset="0"/>
+                <a:cs typeface="Times New Roman" panose="02020603050405020304" pitchFamily="18" charset="0"/>
+              </a:rPr>
+              <a:t>danh</a:t>
+            </a:r>
+            <a:r>
+              <a:rPr lang="en-US" sz="5400" b="1" dirty="0">
+                <a:latin typeface="Times New Roman" panose="02020603050405020304" pitchFamily="18" charset="0"/>
+                <a:cs typeface="Times New Roman" panose="02020603050405020304" pitchFamily="18" charset="0"/>
+              </a:rPr>
+              <a:t> </a:t>
+            </a:r>
+            <a:r>
+              <a:rPr lang="en-US" sz="5400" b="1" dirty="0" err="1">
+                <a:latin typeface="Times New Roman" panose="02020603050405020304" pitchFamily="18" charset="0"/>
+                <a:cs typeface="Times New Roman" panose="02020603050405020304" pitchFamily="18" charset="0"/>
+              </a:rPr>
+              <a:t>Người</a:t>
+            </a:r>
+            <a:r>
+              <a:rPr lang="en-US" sz="5400" b="1" dirty="0">
+                <a:latin typeface="Times New Roman" panose="02020603050405020304" pitchFamily="18" charset="0"/>
+                <a:cs typeface="Times New Roman" panose="02020603050405020304" pitchFamily="18" charset="0"/>
+              </a:rPr>
+              <a:t> </a:t>
+            </a:r>
+            <a:r>
+              <a:rPr lang="en-US" sz="5400" b="1" dirty="0" err="1">
+                <a:latin typeface="Times New Roman" panose="02020603050405020304" pitchFamily="18" charset="0"/>
+                <a:cs typeface="Times New Roman" panose="02020603050405020304" pitchFamily="18" charset="0"/>
+              </a:rPr>
+              <a:t>là</a:t>
+            </a:r>
+            <a:r>
+              <a:rPr lang="en-US" sz="5400" b="1" dirty="0">
+                <a:latin typeface="Times New Roman" panose="02020603050405020304" pitchFamily="18" charset="0"/>
+                <a:cs typeface="Times New Roman" panose="02020603050405020304" pitchFamily="18" charset="0"/>
+              </a:rPr>
+              <a:t> </a:t>
+            </a:r>
+            <a:r>
+              <a:rPr lang="en-US" sz="5400" b="1" dirty="0" err="1">
+                <a:latin typeface="Times New Roman" panose="02020603050405020304" pitchFamily="18" charset="0"/>
+                <a:cs typeface="Times New Roman" panose="02020603050405020304" pitchFamily="18" charset="0"/>
+              </a:rPr>
+              <a:t>Thánh</a:t>
+            </a:r>
+            <a:r>
+              <a:rPr lang="en-US" sz="5400" b="1">
+                <a:latin typeface="Times New Roman" panose="02020603050405020304" pitchFamily="18" charset="0"/>
+                <a:cs typeface="Times New Roman" panose="02020603050405020304" pitchFamily="18" charset="0"/>
+              </a:rPr>
+              <a:t>.</a:t>
+            </a:r>
+            <a:endParaRPr lang="en-US" sz="5400" b="1" dirty="0">
+              <a:latin typeface="Times New Roman" panose="02020603050405020304" pitchFamily="18" charset="0"/>
+              <a:cs typeface="Times New Roman" panose="02020603050405020304" pitchFamily="18" charset="0"/>
+            </a:endParaRPr>
           </a:p>
         </p:txBody>
       </p:sp>
     </p:spTree>
     <p:extLst>
       <p:ext uri="{BB962C8B-B14F-4D97-AF65-F5344CB8AC3E}">
-        <p14:creationId xmlns:p14="http://schemas.microsoft.com/office/powerpoint/2010/main" val="1121484350"/>
+        <p14:creationId xmlns:p14="http://schemas.microsoft.com/office/powerpoint/2010/main" val="1367060491"/>
       </p:ext>
     </p:extLst>
   </p:cSld>
   <p:clrMapOvr>
     <a:masterClrMapping/>
   </p:clrMapOvr>
+  <p:timing>
+    <p:tnLst>
+      <p:par>
+        <p:cTn id="1" dur="indefinite" restart="never" nodeType="tmRoot"/>
+      </p:par>
+    </p:tnLst>
+  </p:timing>
 </p:sld>
 </file>
 
@@ -6701,18 +6944,24 @@
       </p:grpSpPr>
       <p:sp>
         <p:nvSpPr>
-          <p:cNvPr id="2" name="Title 1"/>
-          <p:cNvSpPr>
-            <a:spLocks noGrp="1"/>
-          </p:cNvSpPr>
-          <p:nvPr>
-            <p:ph type="ctrTitle"/>
+          <p:cNvPr id="2" name="Title 1">
+            <a:extLst>
+              <a:ext uri="{FF2B5EF4-FFF2-40B4-BE49-F238E27FC236}">
+                <a16:creationId xmlns:a16="http://schemas.microsoft.com/office/drawing/2014/main" xmlns="" id="{4A836128-4A05-40B8-BBED-8B4157398241}"/>
+              </a:ext>
+            </a:extLst>
+          </p:cNvPr>
+          <p:cNvSpPr>
+            <a:spLocks noGrp="1"/>
+          </p:cNvSpPr>
+          <p:nvPr>
+            <p:ph type="title"/>
           </p:nvPr>
         </p:nvSpPr>
         <p:spPr>
           <a:xfrm>
-            <a:off x="0" y="13648"/>
-            <a:ext cx="9144000" cy="533400"/>
+            <a:off x="-1" y="0"/>
+            <a:ext cx="9143999" cy="1325563"/>
           </a:xfrm>
         </p:spPr>
         <p:txBody>
@@ -6721,93 +6970,76 @@
           </a:bodyPr>
           <a:lstStyle/>
           <a:p>
-            <a:pPr algn="l"/>
-            <a:r>
-              <a:rPr lang="en-US" sz="1800" dirty="0" err="1">
+            <a:r>
+              <a:rPr lang="en-US" sz="5400" b="1" dirty="0">
                 <a:solidFill>
                   <a:srgbClr val="FF0000"/>
                 </a:solidFill>
                 <a:latin typeface="Times New Roman" panose="02020603050405020304" pitchFamily="18" charset="0"/>
                 <a:cs typeface="Times New Roman" panose="02020603050405020304" pitchFamily="18" charset="0"/>
               </a:rPr>
-              <a:t>Hiệp</a:t>
-            </a:r>
-            <a:r>
-              <a:rPr lang="en-US" sz="1800" dirty="0">
+              <a:t>Ca </a:t>
+            </a:r>
+            <a:r>
+              <a:rPr lang="en-US" sz="5400" b="1" dirty="0" err="1">
                 <a:solidFill>
                   <a:srgbClr val="FF0000"/>
                 </a:solidFill>
                 <a:latin typeface="Times New Roman" panose="02020603050405020304" pitchFamily="18" charset="0"/>
                 <a:cs typeface="Times New Roman" panose="02020603050405020304" pitchFamily="18" charset="0"/>
               </a:rPr>
-              <a:t> </a:t>
-            </a:r>
-            <a:r>
-              <a:rPr lang="en-US" sz="1800" dirty="0" err="1">
+              <a:t>hiệp</a:t>
+            </a:r>
+            <a:r>
+              <a:rPr lang="en-US" sz="5400" b="1" dirty="0">
                 <a:solidFill>
                   <a:srgbClr val="FF0000"/>
                 </a:solidFill>
                 <a:latin typeface="Times New Roman" panose="02020603050405020304" pitchFamily="18" charset="0"/>
                 <a:cs typeface="Times New Roman" panose="02020603050405020304" pitchFamily="18" charset="0"/>
               </a:rPr>
-              <a:t>Lễ</a:t>
-            </a:r>
-            <a:r>
-              <a:rPr lang="en-US" sz="1800" dirty="0">
+              <a:t> </a:t>
+            </a:r>
+            <a:r>
+              <a:rPr lang="en-US" sz="5400" b="1" dirty="0" err="1">
                 <a:solidFill>
                   <a:srgbClr val="FF0000"/>
                 </a:solidFill>
                 <a:latin typeface="Times New Roman" panose="02020603050405020304" pitchFamily="18" charset="0"/>
                 <a:cs typeface="Times New Roman" panose="02020603050405020304" pitchFamily="18" charset="0"/>
               </a:rPr>
-              <a:t>                                   </a:t>
-            </a:r>
-            <a:r>
-              <a:rPr lang="en-US" sz="2400" b="1" dirty="0">
-                <a:solidFill>
-                  <a:srgbClr val="FF0000"/>
-                </a:solidFill>
-                <a:effectLst>
-                  <a:outerShdw blurRad="38100" dist="38100" dir="2700000" algn="tl">
-                    <a:srgbClr val="000000">
-                      <a:alpha val="43137"/>
-                    </a:srgbClr>
-                  </a:outerShdw>
-                </a:effectLst>
-                <a:latin typeface="Times New Roman" panose="02020603050405020304" pitchFamily="18" charset="0"/>
-                <a:cs typeface="Times New Roman" panose="02020603050405020304" pitchFamily="18" charset="0"/>
-              </a:rPr>
-              <a:t>TRI ÂN TÌNH CHÚA (NL)</a:t>
-            </a:r>
-            <a:endParaRPr lang="en-US" sz="2400" b="1" dirty="0">
+              <a:t>lễ</a:t>
+            </a:r>
+            <a:endParaRPr lang="en-US" sz="5400" b="1" dirty="0">
               <a:solidFill>
                 <a:srgbClr val="FF0000"/>
               </a:solidFill>
-              <a:effectLst>
-                <a:outerShdw blurRad="38100" dist="38100" dir="2700000" algn="tl">
-                  <a:srgbClr val="000000">
-                    <a:alpha val="43137"/>
-                  </a:srgbClr>
-                </a:outerShdw>
-              </a:effectLst>
+              <a:latin typeface="Times New Roman" panose="02020603050405020304" pitchFamily="18" charset="0"/>
+              <a:cs typeface="Times New Roman" panose="02020603050405020304" pitchFamily="18" charset="0"/>
             </a:endParaRPr>
           </a:p>
         </p:txBody>
       </p:sp>
       <p:sp>
         <p:nvSpPr>
-          <p:cNvPr id="3" name="Subtitle 2"/>
-          <p:cNvSpPr>
-            <a:spLocks noGrp="1"/>
-          </p:cNvSpPr>
-          <p:nvPr>
-            <p:ph type="subTitle" idx="1"/>
+          <p:cNvPr id="3" name="Content Placeholder 2">
+            <a:extLst>
+              <a:ext uri="{FF2B5EF4-FFF2-40B4-BE49-F238E27FC236}">
+                <a16:creationId xmlns:a16="http://schemas.microsoft.com/office/drawing/2014/main" xmlns="" id="{19C51F5D-34DD-43C2-95A7-3D04A4BAD8AB}"/>
+              </a:ext>
+            </a:extLst>
+          </p:cNvPr>
+          <p:cNvSpPr>
+            <a:spLocks noGrp="1"/>
+          </p:cNvSpPr>
+          <p:nvPr>
+            <p:ph idx="1"/>
           </p:nvPr>
         </p:nvSpPr>
         <p:spPr>
           <a:xfrm>
-            <a:off x="0" y="975822"/>
-            <a:ext cx="9144000" cy="7030720"/>
+            <a:off x="0" y="1416112"/>
+            <a:ext cx="9144000" cy="4351338"/>
           </a:xfrm>
         </p:spPr>
         <p:txBody>
@@ -6816,34 +7048,29 @@
           </a:bodyPr>
           <a:lstStyle/>
           <a:p>
-            <a:pPr algn="just"/>
-            <a:r>
-              <a:rPr lang="vi-VN" sz="5400" b="1" dirty="0">
-                <a:latin typeface="+mj-lt"/>
-              </a:rPr>
-              <a:t>1. Tình Chúa như áng mây trôi, tình Chúa như gió lên khơi, tình Chúa luôn nồng say không đổi thay không phai nhạt qua ngàn năm kiên trung thành tín. </a:t>
-            </a:r>
-            <a:endParaRPr lang="vi-VN" sz="5400" b="1" dirty="0">
-              <a:solidFill>
-                <a:schemeClr val="tx1"/>
-              </a:solidFill>
-              <a:latin typeface="+mj-lt"/>
-              <a:cs typeface="Times New Roman" panose="02020603050405020304" pitchFamily="18" charset="0"/>
-            </a:endParaRPr>
+            <a:pPr marL="0" indent="0" algn="just">
+              <a:buNone/>
+            </a:pPr>
+            <a:r>
+              <a:rPr lang="en-US" sz="5400" b="1" dirty="0">
+                <a:latin typeface="Times New Roman" panose="02020603050405020304" pitchFamily="18" charset="0"/>
+                <a:cs typeface="Times New Roman" panose="02020603050405020304" pitchFamily="18" charset="0"/>
+              </a:rPr>
+              <a:t>…</a:t>
+            </a:r>
           </a:p>
         </p:txBody>
       </p:sp>
     </p:spTree>
     <p:extLst>
       <p:ext uri="{BB962C8B-B14F-4D97-AF65-F5344CB8AC3E}">
-        <p14:creationId xmlns:p14="http://schemas.microsoft.com/office/powerpoint/2010/main" val="646370772"/>
+        <p14:creationId xmlns:p14="http://schemas.microsoft.com/office/powerpoint/2010/main" val="1121484350"/>
       </p:ext>
     </p:extLst>
   </p:cSld>
   <p:clrMapOvr>
     <a:masterClrMapping/>
   </p:clrMapOvr>
-  <p:transition/>
 </p:sld>
 </file>
 
@@ -6971,8 +7198,8 @@
         </p:nvSpPr>
         <p:spPr>
           <a:xfrm>
-            <a:off x="-15240" y="1295400"/>
-            <a:ext cx="9144000" cy="6391564"/>
+            <a:off x="0" y="975822"/>
+            <a:ext cx="9144000" cy="7030720"/>
           </a:xfrm>
         </p:spPr>
         <p:txBody>
@@ -6983,10 +7210,10 @@
           <a:p>
             <a:pPr algn="just"/>
             <a:r>
-              <a:rPr lang="vi-VN" sz="5400" b="1">
+              <a:rPr lang="vi-VN" sz="5400" b="1" dirty="0">
                 <a:latin typeface="+mj-lt"/>
               </a:rPr>
-              <a:t>Tình Chúa đưa dẫn con đi vượt qua muôn nỗi hiểm nguy, tình Chúa theo mọi nơi cho niềm vui cho tiếng cười cho bờ môi vang lời yêu thương.</a:t>
+              <a:t>1. Tình Chúa như áng mây trôi, tình Chúa như gió lên khơi, tình Chúa luôn nồng say không đổi thay không phai nhạt qua ngàn năm kiên trung thành tín. </a:t>
             </a:r>
             <a:endParaRPr lang="vi-VN" sz="5400" b="1" dirty="0">
               <a:solidFill>
@@ -7001,7 +7228,7 @@
     </p:spTree>
     <p:extLst>
       <p:ext uri="{BB962C8B-B14F-4D97-AF65-F5344CB8AC3E}">
-        <p14:creationId xmlns:p14="http://schemas.microsoft.com/office/powerpoint/2010/main" val="2810368249"/>
+        <p14:creationId xmlns:p14="http://schemas.microsoft.com/office/powerpoint/2010/main" val="646370772"/>
       </p:ext>
     </p:extLst>
   </p:cSld>
@@ -7136,7 +7363,7 @@
         </p:nvSpPr>
         <p:spPr>
           <a:xfrm>
-            <a:off x="0" y="1295400"/>
+            <a:off x="-15240" y="1295400"/>
             <a:ext cx="9144000" cy="6391564"/>
           </a:xfrm>
         </p:spPr>
@@ -7148,10 +7375,10 @@
           <a:p>
             <a:pPr algn="just"/>
             <a:r>
-              <a:rPr lang="vi-VN" sz="5400" b="1" dirty="0">
+              <a:rPr lang="vi-VN" sz="5400" b="1">
                 <a:latin typeface="+mj-lt"/>
               </a:rPr>
-              <a:t>ĐK. Xin tri ân Chúa qua muôn thế hệ, xin tri ân Chúa qua muôn ngàn nơi, tình Ngài bao la trời đất từng ngày yêu thương dẫn dắt chúng con đi trên đời. </a:t>
+              <a:t>Tình Chúa đưa dẫn con đi vượt qua muôn nỗi hiểm nguy, tình Chúa theo mọi nơi cho niềm vui cho tiếng cười cho bờ môi vang lời yêu thương.</a:t>
             </a:r>
             <a:endParaRPr lang="vi-VN" sz="5400" b="1" dirty="0">
               <a:solidFill>
@@ -7166,7 +7393,7 @@
     </p:spTree>
     <p:extLst>
       <p:ext uri="{BB962C8B-B14F-4D97-AF65-F5344CB8AC3E}">
-        <p14:creationId xmlns:p14="http://schemas.microsoft.com/office/powerpoint/2010/main" val="2270855991"/>
+        <p14:creationId xmlns:p14="http://schemas.microsoft.com/office/powerpoint/2010/main" val="2810368249"/>
       </p:ext>
     </p:extLst>
   </p:cSld>
@@ -7419,8 +7646,8 @@
         </p:nvSpPr>
         <p:spPr>
           <a:xfrm>
-            <a:off x="0" y="1585926"/>
-            <a:ext cx="9144000" cy="5810513"/>
+            <a:off x="0" y="1295400"/>
+            <a:ext cx="9144000" cy="6391564"/>
           </a:xfrm>
         </p:spPr>
         <p:txBody>
@@ -7434,7 +7661,7 @@
               <a:rPr lang="vi-VN" sz="5400" b="1" dirty="0">
                 <a:latin typeface="+mj-lt"/>
               </a:rPr>
-              <a:t>Xin dâng ngàn tiếng ca, xin dâng lời cảm tạ nguyện một đời luôn sống đáp đền hồng ân.</a:t>
+              <a:t>ĐK. Xin tri ân Chúa qua muôn thế hệ, xin tri ân Chúa qua muôn ngàn nơi, tình Ngài bao la trời đất từng ngày yêu thương dẫn dắt chúng con đi trên đời. </a:t>
             </a:r>
             <a:endParaRPr lang="vi-VN" sz="5400" b="1" dirty="0">
               <a:solidFill>
@@ -7449,7 +7676,7 @@
     </p:spTree>
     <p:extLst>
       <p:ext uri="{BB962C8B-B14F-4D97-AF65-F5344CB8AC3E}">
-        <p14:creationId xmlns:p14="http://schemas.microsoft.com/office/powerpoint/2010/main" val="729078419"/>
+        <p14:creationId xmlns:p14="http://schemas.microsoft.com/office/powerpoint/2010/main" val="2270855991"/>
       </p:ext>
     </p:extLst>
   </p:cSld>
@@ -7584,8 +7811,8 @@
         </p:nvSpPr>
         <p:spPr>
           <a:xfrm>
-            <a:off x="0" y="975822"/>
-            <a:ext cx="9144000" cy="7030720"/>
+            <a:off x="0" y="1585926"/>
+            <a:ext cx="9144000" cy="5810513"/>
           </a:xfrm>
         </p:spPr>
         <p:txBody>
@@ -7599,22 +7826,12 @@
               <a:rPr lang="vi-VN" sz="5400" b="1" dirty="0">
                 <a:latin typeface="+mj-lt"/>
               </a:rPr>
-              <a:t>2. Tình Chúa như đóa hoa tươi, tình Chúa như nắng reo vui, tình Chúa cho mùa xuân hương nồng </a:t>
-            </a:r>
-            <a:r>
-              <a:rPr lang="en-US" sz="5400" b="1" dirty="0">
-                <a:latin typeface="Times New Roman" panose="02020603050405020304" pitchFamily="18" charset="0"/>
-                <a:cs typeface="Times New Roman" panose="02020603050405020304" pitchFamily="18" charset="0"/>
-              </a:rPr>
-              <a:t>say</a:t>
-            </a:r>
-            <a:r>
-              <a:rPr lang="vi-VN" sz="5400" b="1" dirty="0">
-                <a:latin typeface="+mj-lt"/>
-              </a:rPr>
-              <a:t> lan khắp trời cho ngàn nơi lên màu rực rỡ. </a:t>
+              <a:t>Xin dâng ngàn tiếng ca, xin dâng lời cảm tạ nguyện một đời luôn sống đáp đền hồng ân.</a:t>
             </a:r>
             <a:endParaRPr lang="vi-VN" sz="5400" b="1" dirty="0">
+              <a:solidFill>
+                <a:schemeClr val="tx1"/>
+              </a:solidFill>
               <a:latin typeface="+mj-lt"/>
               <a:cs typeface="Times New Roman" panose="02020603050405020304" pitchFamily="18" charset="0"/>
             </a:endParaRPr>
@@ -7624,7 +7841,7 @@
     </p:spTree>
     <p:extLst>
       <p:ext uri="{BB962C8B-B14F-4D97-AF65-F5344CB8AC3E}">
-        <p14:creationId xmlns:p14="http://schemas.microsoft.com/office/powerpoint/2010/main" val="3681680141"/>
+        <p14:creationId xmlns:p14="http://schemas.microsoft.com/office/powerpoint/2010/main" val="729078419"/>
       </p:ext>
     </p:extLst>
   </p:cSld>
@@ -7759,8 +7976,8 @@
         </p:nvSpPr>
         <p:spPr>
           <a:xfrm>
-            <a:off x="0" y="1295400"/>
-            <a:ext cx="9144000" cy="6391564"/>
+            <a:off x="0" y="975822"/>
+            <a:ext cx="9144000" cy="7030720"/>
           </a:xfrm>
         </p:spPr>
         <p:txBody>
@@ -7774,7 +7991,20 @@
               <a:rPr lang="vi-VN" sz="5400" b="1" dirty="0">
                 <a:latin typeface="+mj-lt"/>
               </a:rPr>
-              <a:t>Tình Chúa soi lối con tim tìm đến dâng hiến cho nhau, tình Chúa luôn triền miên bao dịu êm ươm ngọt ngào cho đời con sáng niềm tin yêu.</a:t>
+              <a:t>2. Tình Chúa như đóa hoa tươi, tình Chúa như nắng reo vui, tình Chúa cho mùa xuân hương nồng </a:t>
+            </a:r>
+            <a:r>
+              <a:rPr lang="en-US" sz="5400" b="1" dirty="0">
+                <a:latin typeface="Times New Roman" panose="02020603050405020304" pitchFamily="18" charset="0"/>
+                <a:cs typeface="Times New Roman" panose="02020603050405020304" pitchFamily="18" charset="0"/>
+              </a:rPr>
+              <a:t>say</a:t>
+            </a:r>
+            <a:r>
+              <a:rPr lang="vi-VN" sz="5400" b="1" dirty="0">
+                <a:latin typeface="+mj-lt"/>
+              </a:rPr>
+              <a:t> lan khắp trời cho ngàn nơi lên màu rực rỡ. </a:t>
             </a:r>
             <a:endParaRPr lang="vi-VN" sz="5400" b="1" dirty="0">
               <a:latin typeface="+mj-lt"/>
@@ -7786,7 +8016,7 @@
     </p:spTree>
     <p:extLst>
       <p:ext uri="{BB962C8B-B14F-4D97-AF65-F5344CB8AC3E}">
-        <p14:creationId xmlns:p14="http://schemas.microsoft.com/office/powerpoint/2010/main" val="1818437497"/>
+        <p14:creationId xmlns:p14="http://schemas.microsoft.com/office/powerpoint/2010/main" val="3681680141"/>
       </p:ext>
     </p:extLst>
   </p:cSld>
@@ -7936,12 +8166,9 @@
               <a:rPr lang="vi-VN" sz="5400" b="1" dirty="0">
                 <a:latin typeface="+mj-lt"/>
               </a:rPr>
-              <a:t>ĐK. Xin tri ân Chúa qua muôn thế hệ, xin tri ân Chúa qua muôn ngàn nơi, tình Ngài bao la trời đất từng ngày yêu thương dẫn dắt chúng con đi trên đời. </a:t>
+              <a:t>Tình Chúa soi lối con tim tìm đến dâng hiến cho nhau, tình Chúa luôn triền miên bao dịu êm ươm ngọt ngào cho đời con sáng niềm tin yêu.</a:t>
             </a:r>
             <a:endParaRPr lang="vi-VN" sz="5400" b="1" dirty="0">
-              <a:solidFill>
-                <a:schemeClr val="tx1"/>
-              </a:solidFill>
               <a:latin typeface="+mj-lt"/>
               <a:cs typeface="Times New Roman" panose="02020603050405020304" pitchFamily="18" charset="0"/>
             </a:endParaRPr>
@@ -7951,7 +8178,7 @@
     </p:spTree>
     <p:extLst>
       <p:ext uri="{BB962C8B-B14F-4D97-AF65-F5344CB8AC3E}">
-        <p14:creationId xmlns:p14="http://schemas.microsoft.com/office/powerpoint/2010/main" val="755161295"/>
+        <p14:creationId xmlns:p14="http://schemas.microsoft.com/office/powerpoint/2010/main" val="1818437497"/>
       </p:ext>
     </p:extLst>
   </p:cSld>
@@ -8086,8 +8313,8 @@
         </p:nvSpPr>
         <p:spPr>
           <a:xfrm>
-            <a:off x="0" y="1585926"/>
-            <a:ext cx="9144000" cy="5810513"/>
+            <a:off x="0" y="1295400"/>
+            <a:ext cx="9144000" cy="6391564"/>
           </a:xfrm>
         </p:spPr>
         <p:txBody>
@@ -8101,7 +8328,7 @@
               <a:rPr lang="vi-VN" sz="5400" b="1" dirty="0">
                 <a:latin typeface="+mj-lt"/>
               </a:rPr>
-              <a:t>Xin dâng ngàn tiếng ca, xin dâng lời cảm tạ nguyện một đời luôn sống đáp đền hồng ân.</a:t>
+              <a:t>ĐK. Xin tri ân Chúa qua muôn thế hệ, xin tri ân Chúa qua muôn ngàn nơi, tình Ngài bao la trời đất từng ngày yêu thương dẫn dắt chúng con đi trên đời. </a:t>
             </a:r>
             <a:endParaRPr lang="vi-VN" sz="5400" b="1" dirty="0">
               <a:solidFill>
@@ -8116,7 +8343,7 @@
     </p:spTree>
     <p:extLst>
       <p:ext uri="{BB962C8B-B14F-4D97-AF65-F5344CB8AC3E}">
-        <p14:creationId xmlns:p14="http://schemas.microsoft.com/office/powerpoint/2010/main" val="7283477"/>
+        <p14:creationId xmlns:p14="http://schemas.microsoft.com/office/powerpoint/2010/main" val="755161295"/>
       </p:ext>
     </p:extLst>
   </p:cSld>
@@ -8251,8 +8478,8 @@
         </p:nvSpPr>
         <p:spPr>
           <a:xfrm>
-            <a:off x="0" y="975822"/>
-            <a:ext cx="9144000" cy="7030720"/>
+            <a:off x="0" y="1585926"/>
+            <a:ext cx="9144000" cy="5810513"/>
           </a:xfrm>
         </p:spPr>
         <p:txBody>
@@ -8266,9 +8493,12 @@
               <a:rPr lang="vi-VN" sz="5400" b="1" dirty="0">
                 <a:latin typeface="+mj-lt"/>
               </a:rPr>
-              <a:t>3. Tình Chúa như sóng dâng cao, tình Chúa như lúa xôn xao, tình Chúa như vì sao trên trời cao chiếu rạng ngời đưa người đi trong đêm trời tối. </a:t>
+              <a:t>Xin dâng ngàn tiếng ca, xin dâng lời cảm tạ nguyện một đời luôn sống đáp đền hồng ân.</a:t>
             </a:r>
             <a:endParaRPr lang="vi-VN" sz="5400" b="1" dirty="0">
+              <a:solidFill>
+                <a:schemeClr val="tx1"/>
+              </a:solidFill>
               <a:latin typeface="+mj-lt"/>
               <a:cs typeface="Times New Roman" panose="02020603050405020304" pitchFamily="18" charset="0"/>
             </a:endParaRPr>
@@ -8278,7 +8508,7 @@
     </p:spTree>
     <p:extLst>
       <p:ext uri="{BB962C8B-B14F-4D97-AF65-F5344CB8AC3E}">
-        <p14:creationId xmlns:p14="http://schemas.microsoft.com/office/powerpoint/2010/main" val="1757552217"/>
+        <p14:creationId xmlns:p14="http://schemas.microsoft.com/office/powerpoint/2010/main" val="7283477"/>
       </p:ext>
     </p:extLst>
   </p:cSld>
@@ -8413,8 +8643,8 @@
         </p:nvSpPr>
         <p:spPr>
           <a:xfrm>
-            <a:off x="0" y="1295400"/>
-            <a:ext cx="9144000" cy="6391564"/>
+            <a:off x="0" y="975822"/>
+            <a:ext cx="9144000" cy="7030720"/>
           </a:xfrm>
         </p:spPr>
         <p:txBody>
@@ -8428,33 +8658,7 @@
               <a:rPr lang="vi-VN" sz="5400" b="1" dirty="0">
                 <a:latin typeface="+mj-lt"/>
               </a:rPr>
-              <a:t>Tình Chúa </a:t>
-            </a:r>
-            <a:r>
-              <a:rPr lang="en-US" sz="5400" b="1" dirty="0" err="1">
-                <a:latin typeface="Times New Roman" panose="02020603050405020304" pitchFamily="18" charset="0"/>
-                <a:cs typeface="Times New Roman" panose="02020603050405020304" pitchFamily="18" charset="0"/>
-              </a:rPr>
-              <a:t>như</a:t>
-            </a:r>
-            <a:r>
-              <a:rPr lang="vi-VN" sz="5400" b="1" dirty="0">
-                <a:latin typeface="+mj-lt"/>
-              </a:rPr>
-              <a:t> khúc ca dao vọng ngân ru giấc con thơ, tình Chúa bên đời con gieo lời ca đem an hòa </a:t>
-            </a:r>
-            <a:r>
-              <a:rPr lang="en-US" sz="5400" b="1" dirty="0" err="1">
-                <a:latin typeface="Times New Roman" panose="02020603050405020304" pitchFamily="18" charset="0"/>
-                <a:cs typeface="Times New Roman" panose="02020603050405020304" pitchFamily="18" charset="0"/>
-              </a:rPr>
-              <a:t>xóa</a:t>
-            </a:r>
-            <a:r>
-              <a:rPr lang="vi-VN" sz="5400" b="1" dirty="0">
-                <a:latin typeface="+mj-lt"/>
-              </a:rPr>
-              <a:t> khổ đau cho đời mai sau.</a:t>
+              <a:t>3. Tình Chúa như sóng dâng cao, tình Chúa như lúa xôn xao, tình Chúa như vì sao trên trời cao chiếu rạng ngời đưa người đi trong đêm trời tối. </a:t>
             </a:r>
             <a:endParaRPr lang="vi-VN" sz="5400" b="1" dirty="0">
               <a:latin typeface="+mj-lt"/>
@@ -8466,7 +8670,7 @@
     </p:spTree>
     <p:extLst>
       <p:ext uri="{BB962C8B-B14F-4D97-AF65-F5344CB8AC3E}">
-        <p14:creationId xmlns:p14="http://schemas.microsoft.com/office/powerpoint/2010/main" val="3471250383"/>
+        <p14:creationId xmlns:p14="http://schemas.microsoft.com/office/powerpoint/2010/main" val="1757552217"/>
       </p:ext>
     </p:extLst>
   </p:cSld>
@@ -8616,12 +8820,35 @@
               <a:rPr lang="vi-VN" sz="5400" b="1" dirty="0">
                 <a:latin typeface="+mj-lt"/>
               </a:rPr>
-              <a:t>ĐK. Xin tri ân Chúa qua muôn thế hệ, xin tri ân Chúa qua muôn ngàn nơi, tình Ngài bao la trời đất từng ngày yêu thương dẫn dắt chúng con đi trên đời. </a:t>
+              <a:t>Tình Chúa </a:t>
+            </a:r>
+            <a:r>
+              <a:rPr lang="en-US" sz="5400" b="1" dirty="0" err="1">
+                <a:latin typeface="Times New Roman" panose="02020603050405020304" pitchFamily="18" charset="0"/>
+                <a:cs typeface="Times New Roman" panose="02020603050405020304" pitchFamily="18" charset="0"/>
+              </a:rPr>
+              <a:t>như</a:t>
+            </a:r>
+            <a:r>
+              <a:rPr lang="vi-VN" sz="5400" b="1" dirty="0">
+                <a:latin typeface="+mj-lt"/>
+              </a:rPr>
+              <a:t> khúc ca dao vọng ngân ru giấc con thơ, tình Chúa bên đời con gieo lời ca đem an hòa </a:t>
+            </a:r>
+            <a:r>
+              <a:rPr lang="en-US" sz="5400" b="1" dirty="0" err="1">
+                <a:latin typeface="Times New Roman" panose="02020603050405020304" pitchFamily="18" charset="0"/>
+                <a:cs typeface="Times New Roman" panose="02020603050405020304" pitchFamily="18" charset="0"/>
+              </a:rPr>
+              <a:t>xóa</a:t>
+            </a:r>
+            <a:r>
+              <a:rPr lang="vi-VN" sz="5400" b="1" dirty="0">
+                <a:latin typeface="+mj-lt"/>
+              </a:rPr>
+              <a:t> khổ đau cho đời mai sau.</a:t>
             </a:r>
             <a:endParaRPr lang="vi-VN" sz="5400" b="1" dirty="0">
-              <a:solidFill>
-                <a:schemeClr val="tx1"/>
-              </a:solidFill>
               <a:latin typeface="+mj-lt"/>
               <a:cs typeface="Times New Roman" panose="02020603050405020304" pitchFamily="18" charset="0"/>
             </a:endParaRPr>
@@ -8631,7 +8858,7 @@
     </p:spTree>
     <p:extLst>
       <p:ext uri="{BB962C8B-B14F-4D97-AF65-F5344CB8AC3E}">
-        <p14:creationId xmlns:p14="http://schemas.microsoft.com/office/powerpoint/2010/main" val="3704125203"/>
+        <p14:creationId xmlns:p14="http://schemas.microsoft.com/office/powerpoint/2010/main" val="3471250383"/>
       </p:ext>
     </p:extLst>
   </p:cSld>
@@ -8766,8 +8993,8 @@
         </p:nvSpPr>
         <p:spPr>
           <a:xfrm>
-            <a:off x="0" y="1585926"/>
-            <a:ext cx="9144000" cy="5810513"/>
+            <a:off x="0" y="1295400"/>
+            <a:ext cx="9144000" cy="6391564"/>
           </a:xfrm>
         </p:spPr>
         <p:txBody>
@@ -8781,7 +9008,7 @@
               <a:rPr lang="vi-VN" sz="5400" b="1" dirty="0">
                 <a:latin typeface="+mj-lt"/>
               </a:rPr>
-              <a:t>Xin dâng ngàn tiếng ca, xin dâng lời cảm tạ nguyện một đời luôn sống đáp đền hồng ân.</a:t>
+              <a:t>ĐK. Xin tri ân Chúa qua muôn thế hệ, xin tri ân Chúa qua muôn ngàn nơi, tình Ngài bao la trời đất từng ngày yêu thương dẫn dắt chúng con đi trên đời. </a:t>
             </a:r>
             <a:endParaRPr lang="vi-VN" sz="5400" b="1" dirty="0">
               <a:solidFill>
@@ -8796,7 +9023,7 @@
     </p:spTree>
     <p:extLst>
       <p:ext uri="{BB962C8B-B14F-4D97-AF65-F5344CB8AC3E}">
-        <p14:creationId xmlns:p14="http://schemas.microsoft.com/office/powerpoint/2010/main" val="3602786440"/>
+        <p14:creationId xmlns:p14="http://schemas.microsoft.com/office/powerpoint/2010/main" val="3704125203"/>
       </p:ext>
     </p:extLst>
   </p:cSld>
@@ -8826,64 +9053,149 @@
       </p:grpSpPr>
       <p:sp>
         <p:nvSpPr>
-          <p:cNvPr id="2" name="Title 1">
-            <a:extLst>
-              <a:ext uri="{FF2B5EF4-FFF2-40B4-BE49-F238E27FC236}">
-                <a16:creationId xmlns:a16="http://schemas.microsoft.com/office/drawing/2014/main" id="{58E71E43-1CDD-47EC-97D7-DEB10F60A058}"/>
-              </a:ext>
-            </a:extLst>
-          </p:cNvPr>
-          <p:cNvSpPr>
-            <a:spLocks noGrp="1"/>
-          </p:cNvSpPr>
-          <p:nvPr>
-            <p:ph type="title"/>
-          </p:nvPr>
-        </p:nvSpPr>
-        <p:spPr/>
-        <p:txBody>
-          <a:bodyPr/>
+          <p:cNvPr id="2" name="Title 1"/>
+          <p:cNvSpPr>
+            <a:spLocks noGrp="1"/>
+          </p:cNvSpPr>
+          <p:nvPr>
+            <p:ph type="ctrTitle"/>
+          </p:nvPr>
+        </p:nvSpPr>
+        <p:spPr>
+          <a:xfrm>
+            <a:off x="0" y="13648"/>
+            <a:ext cx="9144000" cy="533400"/>
+          </a:xfrm>
+        </p:spPr>
+        <p:txBody>
+          <a:bodyPr>
+            <a:normAutofit/>
+          </a:bodyPr>
           <a:lstStyle/>
           <a:p>
-            <a:endParaRPr lang="en-US"/>
-          </a:p>
-        </p:txBody>
-      </p:sp>
-      <p:sp>
-        <p:nvSpPr>
-          <p:cNvPr id="3" name="Content Placeholder 2">
-            <a:extLst>
-              <a:ext uri="{FF2B5EF4-FFF2-40B4-BE49-F238E27FC236}">
-                <a16:creationId xmlns:a16="http://schemas.microsoft.com/office/drawing/2014/main" id="{4450A0F6-B986-4D95-B322-A7D4C1D8B1D6}"/>
-              </a:ext>
-            </a:extLst>
-          </p:cNvPr>
-          <p:cNvSpPr>
-            <a:spLocks noGrp="1"/>
-          </p:cNvSpPr>
-          <p:nvPr>
-            <p:ph idx="1"/>
-          </p:nvPr>
-        </p:nvSpPr>
-        <p:spPr/>
-        <p:txBody>
-          <a:bodyPr/>
+            <a:pPr algn="l"/>
+            <a:r>
+              <a:rPr lang="en-US" sz="1800" dirty="0" err="1">
+                <a:solidFill>
+                  <a:srgbClr val="FF0000"/>
+                </a:solidFill>
+                <a:latin typeface="Times New Roman" panose="02020603050405020304" pitchFamily="18" charset="0"/>
+                <a:cs typeface="Times New Roman" panose="02020603050405020304" pitchFamily="18" charset="0"/>
+              </a:rPr>
+              <a:t>Hiệp</a:t>
+            </a:r>
+            <a:r>
+              <a:rPr lang="en-US" sz="1800" dirty="0">
+                <a:solidFill>
+                  <a:srgbClr val="FF0000"/>
+                </a:solidFill>
+                <a:latin typeface="Times New Roman" panose="02020603050405020304" pitchFamily="18" charset="0"/>
+                <a:cs typeface="Times New Roman" panose="02020603050405020304" pitchFamily="18" charset="0"/>
+              </a:rPr>
+              <a:t> </a:t>
+            </a:r>
+            <a:r>
+              <a:rPr lang="en-US" sz="1800" dirty="0" err="1">
+                <a:solidFill>
+                  <a:srgbClr val="FF0000"/>
+                </a:solidFill>
+                <a:latin typeface="Times New Roman" panose="02020603050405020304" pitchFamily="18" charset="0"/>
+                <a:cs typeface="Times New Roman" panose="02020603050405020304" pitchFamily="18" charset="0"/>
+              </a:rPr>
+              <a:t>Lễ</a:t>
+            </a:r>
+            <a:r>
+              <a:rPr lang="en-US" sz="1800" dirty="0">
+                <a:solidFill>
+                  <a:srgbClr val="FF0000"/>
+                </a:solidFill>
+                <a:latin typeface="Times New Roman" panose="02020603050405020304" pitchFamily="18" charset="0"/>
+                <a:cs typeface="Times New Roman" panose="02020603050405020304" pitchFamily="18" charset="0"/>
+              </a:rPr>
+              <a:t>                                   </a:t>
+            </a:r>
+            <a:r>
+              <a:rPr lang="en-US" sz="2400" b="1" dirty="0">
+                <a:solidFill>
+                  <a:srgbClr val="FF0000"/>
+                </a:solidFill>
+                <a:effectLst>
+                  <a:outerShdw blurRad="38100" dist="38100" dir="2700000" algn="tl">
+                    <a:srgbClr val="000000">
+                      <a:alpha val="43137"/>
+                    </a:srgbClr>
+                  </a:outerShdw>
+                </a:effectLst>
+                <a:latin typeface="Times New Roman" panose="02020603050405020304" pitchFamily="18" charset="0"/>
+                <a:cs typeface="Times New Roman" panose="02020603050405020304" pitchFamily="18" charset="0"/>
+              </a:rPr>
+              <a:t>TRI ÂN TÌNH CHÚA (NL)</a:t>
+            </a:r>
+            <a:endParaRPr lang="en-US" sz="2400" b="1" dirty="0">
+              <a:solidFill>
+                <a:srgbClr val="FF0000"/>
+              </a:solidFill>
+              <a:effectLst>
+                <a:outerShdw blurRad="38100" dist="38100" dir="2700000" algn="tl">
+                  <a:srgbClr val="000000">
+                    <a:alpha val="43137"/>
+                  </a:srgbClr>
+                </a:outerShdw>
+              </a:effectLst>
+            </a:endParaRPr>
+          </a:p>
+        </p:txBody>
+      </p:sp>
+      <p:sp>
+        <p:nvSpPr>
+          <p:cNvPr id="3" name="Subtitle 2"/>
+          <p:cNvSpPr>
+            <a:spLocks noGrp="1"/>
+          </p:cNvSpPr>
+          <p:nvPr>
+            <p:ph type="subTitle" idx="1"/>
+          </p:nvPr>
+        </p:nvSpPr>
+        <p:spPr>
+          <a:xfrm>
+            <a:off x="0" y="1585926"/>
+            <a:ext cx="9144000" cy="5810513"/>
+          </a:xfrm>
+        </p:spPr>
+        <p:txBody>
+          <a:bodyPr>
+            <a:noAutofit/>
+          </a:bodyPr>
           <a:lstStyle/>
           <a:p>
-            <a:endParaRPr lang="en-US"/>
+            <a:pPr algn="just"/>
+            <a:r>
+              <a:rPr lang="vi-VN" sz="5400" b="1" dirty="0">
+                <a:latin typeface="+mj-lt"/>
+              </a:rPr>
+              <a:t>Xin dâng ngàn tiếng ca, xin dâng lời cảm tạ nguyện một đời luôn sống đáp đền hồng ân.</a:t>
+            </a:r>
+            <a:endParaRPr lang="vi-VN" sz="5400" b="1" dirty="0">
+              <a:solidFill>
+                <a:schemeClr val="tx1"/>
+              </a:solidFill>
+              <a:latin typeface="+mj-lt"/>
+              <a:cs typeface="Times New Roman" panose="02020603050405020304" pitchFamily="18" charset="0"/>
+            </a:endParaRPr>
           </a:p>
         </p:txBody>
       </p:sp>
     </p:spTree>
     <p:extLst>
       <p:ext uri="{BB962C8B-B14F-4D97-AF65-F5344CB8AC3E}">
-        <p14:creationId xmlns:p14="http://schemas.microsoft.com/office/powerpoint/2010/main" val="755209308"/>
+        <p14:creationId xmlns:p14="http://schemas.microsoft.com/office/powerpoint/2010/main" val="3602786440"/>
       </p:ext>
     </p:extLst>
   </p:cSld>
   <p:clrMapOvr>
     <a:masterClrMapping/>
   </p:clrMapOvr>
+  <p:transition/>
 </p:sld>
 </file>
 
@@ -9024,6 +9336,86 @@
       </p:grpSpPr>
       <p:sp>
         <p:nvSpPr>
+          <p:cNvPr id="2" name="Title 1">
+            <a:extLst>
+              <a:ext uri="{FF2B5EF4-FFF2-40B4-BE49-F238E27FC236}">
+                <a16:creationId xmlns:a16="http://schemas.microsoft.com/office/drawing/2014/main" xmlns="" id="{58E71E43-1CDD-47EC-97D7-DEB10F60A058}"/>
+              </a:ext>
+            </a:extLst>
+          </p:cNvPr>
+          <p:cNvSpPr>
+            <a:spLocks noGrp="1"/>
+          </p:cNvSpPr>
+          <p:nvPr>
+            <p:ph type="title"/>
+          </p:nvPr>
+        </p:nvSpPr>
+        <p:spPr/>
+        <p:txBody>
+          <a:bodyPr/>
+          <a:lstStyle/>
+          <a:p>
+            <a:endParaRPr lang="en-US"/>
+          </a:p>
+        </p:txBody>
+      </p:sp>
+      <p:sp>
+        <p:nvSpPr>
+          <p:cNvPr id="3" name="Content Placeholder 2">
+            <a:extLst>
+              <a:ext uri="{FF2B5EF4-FFF2-40B4-BE49-F238E27FC236}">
+                <a16:creationId xmlns:a16="http://schemas.microsoft.com/office/drawing/2014/main" xmlns="" id="{4450A0F6-B986-4D95-B322-A7D4C1D8B1D6}"/>
+              </a:ext>
+            </a:extLst>
+          </p:cNvPr>
+          <p:cNvSpPr>
+            <a:spLocks noGrp="1"/>
+          </p:cNvSpPr>
+          <p:nvPr>
+            <p:ph idx="1"/>
+          </p:nvPr>
+        </p:nvSpPr>
+        <p:spPr/>
+        <p:txBody>
+          <a:bodyPr/>
+          <a:lstStyle/>
+          <a:p>
+            <a:endParaRPr lang="en-US"/>
+          </a:p>
+        </p:txBody>
+      </p:sp>
+    </p:spTree>
+    <p:extLst>
+      <p:ext uri="{BB962C8B-B14F-4D97-AF65-F5344CB8AC3E}">
+        <p14:creationId xmlns:p14="http://schemas.microsoft.com/office/powerpoint/2010/main" val="755209308"/>
+      </p:ext>
+    </p:extLst>
+  </p:cSld>
+  <p:clrMapOvr>
+    <a:masterClrMapping/>
+  </p:clrMapOvr>
+</p:sld>
+</file>
+
+<file path=ppt/slides/slide31.xml><?xml version="1.0" encoding="utf-8"?>
+<p:sld xmlns:a="http://schemas.openxmlformats.org/drawingml/2006/main" xmlns:r="http://schemas.openxmlformats.org/officeDocument/2006/relationships" xmlns:p="http://schemas.openxmlformats.org/presentationml/2006/main">
+  <p:cSld>
+    <p:spTree>
+      <p:nvGrpSpPr>
+        <p:cNvPr id="1" name=""/>
+        <p:cNvGrpSpPr/>
+        <p:nvPr/>
+      </p:nvGrpSpPr>
+      <p:grpSpPr>
+        <a:xfrm>
+          <a:off x="0" y="0"/>
+          <a:ext cx="0" cy="0"/>
+          <a:chOff x="0" y="0"/>
+          <a:chExt cx="0" cy="0"/>
+        </a:xfrm>
+      </p:grpSpPr>
+      <p:sp>
+        <p:nvSpPr>
           <p:cNvPr id="2" name="Title 1"/>
           <p:cNvSpPr>
             <a:spLocks noGrp="1"/>
@@ -9634,7 +10026,7 @@
 </p:sld>
 </file>
 
-<file path=ppt/slides/slide31.xml><?xml version="1.0" encoding="utf-8"?>
+<file path=ppt/slides/slide32.xml><?xml version="1.0" encoding="utf-8"?>
 <p:sld xmlns:a="http://schemas.openxmlformats.org/drawingml/2006/main" xmlns:r="http://schemas.openxmlformats.org/officeDocument/2006/relationships" xmlns:p="http://schemas.openxmlformats.org/presentationml/2006/main">
   <p:cSld>
     <p:spTree>
@@ -10523,7 +10915,7 @@
           <p:cNvPr id="2" name="Title 1">
             <a:extLst>
               <a:ext uri="{FF2B5EF4-FFF2-40B4-BE49-F238E27FC236}">
-                <a16:creationId xmlns:a16="http://schemas.microsoft.com/office/drawing/2014/main" id="{36406D17-6BBA-4289-872B-3483843B6833}"/>
+                <a16:creationId xmlns:a16="http://schemas.microsoft.com/office/drawing/2014/main" xmlns="" id="{36406D17-6BBA-4289-872B-3483843B6833}"/>
               </a:ext>
             </a:extLst>
           </p:cNvPr>
@@ -10548,7 +10940,7 @@
           <p:cNvPr id="3" name="Content Placeholder 2">
             <a:extLst>
               <a:ext uri="{FF2B5EF4-FFF2-40B4-BE49-F238E27FC236}">
-                <a16:creationId xmlns:a16="http://schemas.microsoft.com/office/drawing/2014/main" id="{C1693604-3977-4881-B828-703F88560D67}"/>
+                <a16:creationId xmlns:a16="http://schemas.microsoft.com/office/drawing/2014/main" xmlns="" id="{C1693604-3977-4881-B828-703F88560D67}"/>
               </a:ext>
             </a:extLst>
           </p:cNvPr>
@@ -11251,18 +11643,25 @@
               <a:t> </a:t>
             </a:r>
             <a:r>
-              <a:rPr lang="en-US" sz="5400" b="1" dirty="0" err="1">
+              <a:rPr lang="en-US" sz="5400" b="1" err="1">
                 <a:latin typeface="Times New Roman" panose="02020603050405020304" pitchFamily="18" charset="0"/>
                 <a:cs typeface="Times New Roman" panose="02020603050405020304" pitchFamily="18" charset="0"/>
               </a:rPr>
               <a:t>cõi</a:t>
             </a:r>
             <a:r>
-              <a:rPr lang="en-US" sz="5400" b="1" dirty="0">
-                <a:latin typeface="Times New Roman" panose="02020603050405020304" pitchFamily="18" charset="0"/>
-                <a:cs typeface="Times New Roman" panose="02020603050405020304" pitchFamily="18" charset="0"/>
-              </a:rPr>
-              <a:t> long </a:t>
+              <a:rPr lang="en-US" sz="5400" b="1">
+                <a:latin typeface="Times New Roman" panose="02020603050405020304" pitchFamily="18" charset="0"/>
+                <a:cs typeface="Times New Roman" panose="02020603050405020304" pitchFamily="18" charset="0"/>
+              </a:rPr>
+              <a:t> </a:t>
+            </a:r>
+            <a:r>
+              <a:rPr lang="en-US" sz="5400" b="1" smtClean="0">
+                <a:latin typeface="Times New Roman" panose="02020603050405020304" pitchFamily="18" charset="0"/>
+                <a:cs typeface="Times New Roman" panose="02020603050405020304" pitchFamily="18" charset="0"/>
+              </a:rPr>
+              <a:t>lòng </a:t>
             </a:r>
             <a:r>
               <a:rPr lang="en-US" sz="5400" b="1" dirty="0" err="1">
@@ -11640,7 +12039,7 @@
   <a:themeElements>
     <a:clrScheme name="Office Theme">
       <a:dk1>
-        <a:sysClr val="windowText" lastClr="000000"/>
+        <a:sysClr val="windowText" lastClr="1F1F1F"/>
       </a:dk1>
       <a:lt1>
         <a:sysClr val="window" lastClr="FFFFFF"/>
@@ -11890,7 +12289,7 @@
   <a:extraClrSchemeLst/>
   <a:extLst>
     <a:ext uri="{05A4C25C-085E-4340-85A3-A5531E510DB2}">
-      <thm15:themeFamily xmlns:thm15="http://schemas.microsoft.com/office/thememl/2012/main" name="Office Theme" id="{62F939B6-93AF-4DB8-9C6B-D6C7DFDC589F}" vid="{4A3C46E8-61CC-4603-A589-7422A47A8E4A}"/>
+      <thm15:themeFamily xmlns:thm15="http://schemas.microsoft.com/office/thememl/2012/main" xmlns="" name="Office Theme" id="{62F939B6-93AF-4DB8-9C6B-D6C7DFDC589F}" vid="{4A3C46E8-61CC-4603-A589-7422A47A8E4A}"/>
     </a:ext>
   </a:extLst>
 </a:theme>
@@ -11901,7 +12300,7 @@
   <a:themeElements>
     <a:clrScheme name="Office">
       <a:dk1>
-        <a:sysClr val="windowText" lastClr="000000"/>
+        <a:sysClr val="windowText" lastClr="1F1F1F"/>
       </a:dk1>
       <a:lt1>
         <a:sysClr val="window" lastClr="FFFFFF"/>
@@ -12151,7 +12550,7 @@
   <a:extraClrSchemeLst/>
   <a:extLst>
     <a:ext uri="{05A4C25C-085E-4340-85A3-A5531E510DB2}">
-      <thm15:themeFamily xmlns:thm15="http://schemas.microsoft.com/office/thememl/2012/main" name="Office Theme" id="{62F939B6-93AF-4DB8-9C6B-D6C7DFDC589F}" vid="{4A3C46E8-61CC-4603-A589-7422A47A8E4A}"/>
+      <thm15:themeFamily xmlns:thm15="http://schemas.microsoft.com/office/thememl/2012/main" xmlns="" name="Office Theme" id="{62F939B6-93AF-4DB8-9C6B-D6C7DFDC589F}" vid="{4A3C46E8-61CC-4603-A589-7422A47A8E4A}"/>
     </a:ext>
   </a:extLst>
 </a:theme>
